--- a/Projeto_Final/Apresentaçao_Final.pptx
+++ b/Projeto_Final/Apresentaçao_Final.pptx
@@ -287,7 +287,7 @@
           <a:p>
             <a:fld id="{11EAACC7-3B3F-47D1-959A-EF58926E955E}" type="datetimeFigureOut">
               <a:rPr lang="en-US" smtClean="0"/>
-              <a:t>6/1/2023</a:t>
+              <a:t>6/2/2023</a:t>
             </a:fld>
             <a:endParaRPr lang="en-US"/>
           </a:p>
@@ -341,7 +341,7 @@
           <a:p>
             <a:fld id="{312CC964-A50B-4C29-B4E4-2C30BB34CCF3}" type="slidenum">
               <a:rPr lang="en-US" smtClean="0"/>
-              <a:t>‹#›</a:t>
+              <a:t>‹nº›</a:t>
             </a:fld>
             <a:endParaRPr lang="en-US"/>
           </a:p>
@@ -485,7 +485,7 @@
           <a:p>
             <a:fld id="{11EAACC7-3B3F-47D1-959A-EF58926E955E}" type="datetimeFigureOut">
               <a:rPr lang="en-US" smtClean="0"/>
-              <a:t>6/1/2023</a:t>
+              <a:t>6/2/2023</a:t>
             </a:fld>
             <a:endParaRPr lang="en-US"/>
           </a:p>
@@ -539,7 +539,7 @@
           <a:p>
             <a:fld id="{312CC964-A50B-4C29-B4E4-2C30BB34CCF3}" type="slidenum">
               <a:rPr lang="en-US" smtClean="0"/>
-              <a:t>‹#›</a:t>
+              <a:t>‹nº›</a:t>
             </a:fld>
             <a:endParaRPr lang="en-US"/>
           </a:p>
@@ -693,7 +693,7 @@
           <a:p>
             <a:fld id="{11EAACC7-3B3F-47D1-959A-EF58926E955E}" type="datetimeFigureOut">
               <a:rPr lang="en-US" smtClean="0"/>
-              <a:t>6/1/2023</a:t>
+              <a:t>6/2/2023</a:t>
             </a:fld>
             <a:endParaRPr lang="en-US"/>
           </a:p>
@@ -747,7 +747,7 @@
           <a:p>
             <a:fld id="{312CC964-A50B-4C29-B4E4-2C30BB34CCF3}" type="slidenum">
               <a:rPr lang="en-US" smtClean="0"/>
-              <a:t>‹#›</a:t>
+              <a:t>‹nº›</a:t>
             </a:fld>
             <a:endParaRPr lang="en-US"/>
           </a:p>
@@ -922,7 +922,7 @@
           <a:p>
             <a:fld id="{11EAACC7-3B3F-47D1-959A-EF58926E955E}" type="datetimeFigureOut">
               <a:rPr lang="en-US" smtClean="0"/>
-              <a:t>6/1/2023</a:t>
+              <a:t>6/2/2023</a:t>
             </a:fld>
             <a:endParaRPr lang="en-US" dirty="0"/>
           </a:p>
@@ -976,7 +976,7 @@
           <a:p>
             <a:fld id="{312CC964-A50B-4C29-B4E4-2C30BB34CCF3}" type="slidenum">
               <a:rPr lang="en-US" smtClean="0"/>
-              <a:t>‹#›</a:t>
+              <a:t>‹nº›</a:t>
             </a:fld>
             <a:endParaRPr lang="en-US"/>
           </a:p>
@@ -1197,7 +1197,7 @@
           <a:p>
             <a:fld id="{11EAACC7-3B3F-47D1-959A-EF58926E955E}" type="datetimeFigureOut">
               <a:rPr lang="en-US" smtClean="0"/>
-              <a:t>6/1/2023</a:t>
+              <a:t>6/2/2023</a:t>
             </a:fld>
             <a:endParaRPr lang="en-US"/>
           </a:p>
@@ -1251,7 +1251,7 @@
           <a:p>
             <a:fld id="{312CC964-A50B-4C29-B4E4-2C30BB34CCF3}" type="slidenum">
               <a:rPr lang="en-US" smtClean="0"/>
-              <a:t>‹#›</a:t>
+              <a:t>‹nº›</a:t>
             </a:fld>
             <a:endParaRPr lang="en-US"/>
           </a:p>
@@ -1463,7 +1463,7 @@
           <a:p>
             <a:fld id="{11EAACC7-3B3F-47D1-959A-EF58926E955E}" type="datetimeFigureOut">
               <a:rPr lang="en-US" smtClean="0"/>
-              <a:t>6/1/2023</a:t>
+              <a:t>6/2/2023</a:t>
             </a:fld>
             <a:endParaRPr lang="en-US"/>
           </a:p>
@@ -1517,7 +1517,7 @@
           <a:p>
             <a:fld id="{312CC964-A50B-4C29-B4E4-2C30BB34CCF3}" type="slidenum">
               <a:rPr lang="en-US" smtClean="0"/>
-              <a:t>‹#›</a:t>
+              <a:t>‹nº›</a:t>
             </a:fld>
             <a:endParaRPr lang="en-US"/>
           </a:p>
@@ -1880,7 +1880,7 @@
           <a:p>
             <a:fld id="{11EAACC7-3B3F-47D1-959A-EF58926E955E}" type="datetimeFigureOut">
               <a:rPr lang="en-US" smtClean="0"/>
-              <a:t>6/1/2023</a:t>
+              <a:t>6/2/2023</a:t>
             </a:fld>
             <a:endParaRPr lang="en-US"/>
           </a:p>
@@ -1934,7 +1934,7 @@
           <a:p>
             <a:fld id="{312CC964-A50B-4C29-B4E4-2C30BB34CCF3}" type="slidenum">
               <a:rPr lang="en-US" smtClean="0"/>
-              <a:t>‹#›</a:t>
+              <a:t>‹nº›</a:t>
             </a:fld>
             <a:endParaRPr lang="en-US"/>
           </a:p>
@@ -2021,7 +2021,7 @@
           <a:p>
             <a:fld id="{11EAACC7-3B3F-47D1-959A-EF58926E955E}" type="datetimeFigureOut">
               <a:rPr lang="en-US" smtClean="0"/>
-              <a:t>6/1/2023</a:t>
+              <a:t>6/2/2023</a:t>
             </a:fld>
             <a:endParaRPr lang="en-US"/>
           </a:p>
@@ -2075,7 +2075,7 @@
           <a:p>
             <a:fld id="{312CC964-A50B-4C29-B4E4-2C30BB34CCF3}" type="slidenum">
               <a:rPr lang="en-US" smtClean="0"/>
-              <a:t>‹#›</a:t>
+              <a:t>‹nº›</a:t>
             </a:fld>
             <a:endParaRPr lang="en-US"/>
           </a:p>
@@ -2134,7 +2134,7 @@
           <a:p>
             <a:fld id="{11EAACC7-3B3F-47D1-959A-EF58926E955E}" type="datetimeFigureOut">
               <a:rPr lang="en-US" smtClean="0"/>
-              <a:t>6/1/2023</a:t>
+              <a:t>6/2/2023</a:t>
             </a:fld>
             <a:endParaRPr lang="en-US"/>
           </a:p>
@@ -2188,7 +2188,7 @@
           <a:p>
             <a:fld id="{312CC964-A50B-4C29-B4E4-2C30BB34CCF3}" type="slidenum">
               <a:rPr lang="en-US" smtClean="0"/>
-              <a:t>‹#›</a:t>
+              <a:t>‹nº›</a:t>
             </a:fld>
             <a:endParaRPr lang="en-US"/>
           </a:p>
@@ -2445,7 +2445,7 @@
           <a:p>
             <a:fld id="{11EAACC7-3B3F-47D1-959A-EF58926E955E}" type="datetimeFigureOut">
               <a:rPr lang="en-US" smtClean="0"/>
-              <a:t>6/1/2023</a:t>
+              <a:t>6/2/2023</a:t>
             </a:fld>
             <a:endParaRPr lang="en-US"/>
           </a:p>
@@ -2499,7 +2499,7 @@
           <a:p>
             <a:fld id="{312CC964-A50B-4C29-B4E4-2C30BB34CCF3}" type="slidenum">
               <a:rPr lang="en-US" smtClean="0"/>
-              <a:t>‹#›</a:t>
+              <a:t>‹nº›</a:t>
             </a:fld>
             <a:endParaRPr lang="en-US"/>
           </a:p>
@@ -2736,7 +2736,7 @@
           <a:p>
             <a:fld id="{11EAACC7-3B3F-47D1-959A-EF58926E955E}" type="datetimeFigureOut">
               <a:rPr lang="en-US" smtClean="0"/>
-              <a:t>6/1/2023</a:t>
+              <a:t>6/2/2023</a:t>
             </a:fld>
             <a:endParaRPr lang="en-US"/>
           </a:p>
@@ -2790,7 +2790,7 @@
           <a:p>
             <a:fld id="{312CC964-A50B-4C29-B4E4-2C30BB34CCF3}" type="slidenum">
               <a:rPr lang="en-US" smtClean="0"/>
-              <a:t>‹#›</a:t>
+              <a:t>‹nº›</a:t>
             </a:fld>
             <a:endParaRPr lang="en-US"/>
           </a:p>
@@ -3293,7 +3293,7 @@
           <a:p>
             <a:fld id="{11EAACC7-3B3F-47D1-959A-EF58926E955E}" type="datetimeFigureOut">
               <a:rPr lang="en-US" smtClean="0"/>
-              <a:t>6/1/2023</a:t>
+              <a:t>6/2/2023</a:t>
             </a:fld>
             <a:endParaRPr lang="en-US"/>
           </a:p>
@@ -3385,7 +3385,7 @@
           <a:p>
             <a:fld id="{312CC964-A50B-4C29-B4E4-2C30BB34CCF3}" type="slidenum">
               <a:rPr lang="en-US" smtClean="0"/>
-              <a:t>‹#›</a:t>
+              <a:t>‹nº›</a:t>
             </a:fld>
             <a:endParaRPr lang="en-US"/>
           </a:p>
@@ -5785,10 +5785,10 @@
       </p:sp>
       <p:pic>
         <p:nvPicPr>
-          <p:cNvPr id="4" name="Picture 4" descr="Diagram&#10;&#10;Description automatically generated">
-            <a:extLst>
-              <a:ext uri="{FF2B5EF4-FFF2-40B4-BE49-F238E27FC236}">
-                <a16:creationId xmlns:a16="http://schemas.microsoft.com/office/drawing/2014/main" id="{C045BA4F-10D0-3F03-1882-D0F8ECA0D83F}"/>
+          <p:cNvPr id="7" name="Marcador de Posição de Conteúdo 6" descr="Uma imagem com diagrama, desenho, esboço, Esquema&#10;&#10;Descrição gerada automaticamente">
+            <a:extLst>
+              <a:ext uri="{FF2B5EF4-FFF2-40B4-BE49-F238E27FC236}">
+                <a16:creationId xmlns:a16="http://schemas.microsoft.com/office/drawing/2014/main" id="{D2F7311D-F014-EC68-78A0-3D7DD3FAD61A}"/>
               </a:ext>
             </a:extLst>
           </p:cNvPr>
@@ -5800,15 +5800,21 @@
           </p:nvPr>
         </p:nvPicPr>
         <p:blipFill>
-          <a:blip r:embed="rId2"/>
+          <a:blip r:embed="rId2" cstate="print">
+            <a:extLst>
+              <a:ext uri="{28A0092B-C50C-407E-A947-70E740481C1C}">
+                <a14:useLocalDpi xmlns:a14="http://schemas.microsoft.com/office/drawing/2010/main" val="0"/>
+              </a:ext>
+            </a:extLst>
+          </a:blip>
           <a:stretch>
             <a:fillRect/>
           </a:stretch>
         </p:blipFill>
         <p:spPr>
           <a:xfrm>
-            <a:off x="2989389" y="5390"/>
-            <a:ext cx="7110920" cy="6456559"/>
+            <a:off x="3159760" y="408564"/>
+            <a:ext cx="7211261" cy="5916035"/>
           </a:xfrm>
         </p:spPr>
       </p:pic>
@@ -5876,10 +5882,10 @@
       </p:sp>
       <p:pic>
         <p:nvPicPr>
-          <p:cNvPr id="7" name="Picture 7" descr="Diagram">
-            <a:extLst>
-              <a:ext uri="{FF2B5EF4-FFF2-40B4-BE49-F238E27FC236}">
-                <a16:creationId xmlns:a16="http://schemas.microsoft.com/office/drawing/2014/main" id="{08E05085-D1BC-AEAF-B2AD-753285F37030}"/>
+          <p:cNvPr id="11" name="Marcador de Posição de Conteúdo 10" descr="Uma imagem com texto, diagrama, Paralelo, recibo&#10;&#10;Descrição gerada automaticamente">
+            <a:extLst>
+              <a:ext uri="{FF2B5EF4-FFF2-40B4-BE49-F238E27FC236}">
+                <a16:creationId xmlns:a16="http://schemas.microsoft.com/office/drawing/2014/main" id="{265A03F4-8E55-82BF-9815-A3891ED2615B}"/>
               </a:ext>
             </a:extLst>
           </p:cNvPr>
@@ -5891,15 +5897,21 @@
           </p:nvPr>
         </p:nvPicPr>
         <p:blipFill>
-          <a:blip r:embed="rId2"/>
+          <a:blip r:embed="rId2" cstate="print">
+            <a:extLst>
+              <a:ext uri="{28A0092B-C50C-407E-A947-70E740481C1C}">
+                <a14:useLocalDpi xmlns:a14="http://schemas.microsoft.com/office/drawing/2010/main" val="0"/>
+              </a:ext>
+            </a:extLst>
+          </a:blip>
           <a:stretch>
             <a:fillRect/>
           </a:stretch>
         </p:blipFill>
         <p:spPr>
           <a:xfrm>
-            <a:off x="3638671" y="99335"/>
-            <a:ext cx="6094192" cy="6581820"/>
+            <a:off x="3717985" y="341971"/>
+            <a:ext cx="5991645" cy="6296006"/>
           </a:xfrm>
         </p:spPr>
       </p:pic>
